--- a/MarketDelivery/Market_JordiBonet_ClaraRivadulla.pptx
+++ b/MarketDelivery/Market_JordiBonet_ClaraRivadulla.pptx
@@ -3931,7 +3931,31 @@
           <a:bodyPr/>
           <a:lstStyle/>
           <a:p>
-            <a:endParaRPr lang="en-GB"/>
+            <a:r>
+              <a:rPr lang="en-GB" b="1" dirty="0"/>
+              <a:t>Which market? </a:t>
+            </a:r>
+          </a:p>
+          <a:p>
+            <a:endParaRPr lang="en-GB" dirty="0"/>
+          </a:p>
+          <a:p>
+            <a:r>
+              <a:rPr lang="en-GB" b="1" dirty="0"/>
+              <a:t>Which agents? </a:t>
+            </a:r>
+          </a:p>
+          <a:p>
+            <a:endParaRPr lang="en-GB" dirty="0"/>
+          </a:p>
+          <a:p>
+            <a:r>
+              <a:rPr lang="en-GB" b="1" dirty="0"/>
+              <a:t>How should agents interact with each other?</a:t>
+            </a:r>
+          </a:p>
+          <a:p>
+            <a:endParaRPr lang="en-GB" dirty="0"/>
           </a:p>
         </p:txBody>
       </p:sp>
@@ -4346,7 +4370,7 @@
           <a:bodyPr/>
           <a:lstStyle/>
           <a:p>
-            <a:endParaRPr lang="en-GB"/>
+            <a:endParaRPr lang="en-GB" dirty="0"/>
           </a:p>
         </p:txBody>
       </p:sp>
